--- a/FinalProjectPPT_JFB.pptx
+++ b/FinalProjectPPT_JFB.pptx
@@ -4539,18 +4539,33 @@
           <a:bodyPr/>
           <a:lstStyle/>
           <a:p>
+            <a:pPr>
+              <a:lnSpc>
+                <a:spcPct val="200000"/>
+              </a:lnSpc>
+            </a:pPr>
             <a:r>
               <a:rPr lang="en-US" dirty="0"/>
               <a:t>Use logistic modeling to determine if wine being tested is “Good” or “Bad”</a:t>
             </a:r>
           </a:p>
           <a:p>
+            <a:pPr>
+              <a:lnSpc>
+                <a:spcPct val="200000"/>
+              </a:lnSpc>
+            </a:pPr>
             <a:r>
               <a:rPr lang="en-US" dirty="0"/>
               <a:t>Explore correlation between different independent variables</a:t>
             </a:r>
           </a:p>
           <a:p>
+            <a:pPr>
+              <a:lnSpc>
+                <a:spcPct val="200000"/>
+              </a:lnSpc>
+            </a:pPr>
             <a:r>
               <a:rPr lang="en-US" dirty="0"/>
               <a:t>Determine if model is efficient in predicting wine quality</a:t>
@@ -4637,18 +4652,33 @@
           <a:bodyPr/>
           <a:lstStyle/>
           <a:p>
+            <a:pPr>
+              <a:lnSpc>
+                <a:spcPct val="200000"/>
+              </a:lnSpc>
+            </a:pPr>
             <a:r>
               <a:rPr lang="en-US" dirty="0"/>
               <a:t>Data set includes almost 1600 different subjects of wine</a:t>
             </a:r>
           </a:p>
           <a:p>
+            <a:pPr>
+              <a:lnSpc>
+                <a:spcPct val="200000"/>
+              </a:lnSpc>
+            </a:pPr>
             <a:r>
               <a:rPr lang="en-US" dirty="0"/>
               <a:t>Created by UC Irvine Machine Learning Repository to practice modeling</a:t>
             </a:r>
           </a:p>
           <a:p>
+            <a:pPr>
+              <a:lnSpc>
+                <a:spcPct val="200000"/>
+              </a:lnSpc>
+            </a:pPr>
             <a:r>
               <a:rPr lang="en-US" dirty="0"/>
               <a:t>Determine what variables are most significant in predicting wine quality</a:t>
@@ -4735,26 +4765,44 @@
           <a:bodyPr/>
           <a:lstStyle/>
           <a:p>
+            <a:pPr>
+              <a:lnSpc>
+                <a:spcPct val="200000"/>
+              </a:lnSpc>
+            </a:pPr>
             <a:r>
               <a:rPr lang="en-US" dirty="0"/>
               <a:t>11 different independent variables that will be used as predictor values</a:t>
             </a:r>
           </a:p>
           <a:p>
+            <a:pPr>
+              <a:lnSpc>
+                <a:spcPct val="200000"/>
+              </a:lnSpc>
+            </a:pPr>
             <a:r>
               <a:rPr lang="en-US" dirty="0"/>
               <a:t>1 dependent variable 	</a:t>
             </a:r>
           </a:p>
           <a:p>
-            <a:pPr lvl="1"/>
+            <a:pPr lvl="1">
+              <a:lnSpc>
+                <a:spcPct val="200000"/>
+              </a:lnSpc>
+            </a:pPr>
             <a:r>
               <a:rPr lang="en-US" dirty="0"/>
               <a:t>This variable is the class that the wine is put into</a:t>
             </a:r>
           </a:p>
           <a:p>
-            <a:pPr lvl="1"/>
+            <a:pPr lvl="1">
+              <a:lnSpc>
+                <a:spcPct val="200000"/>
+              </a:lnSpc>
+            </a:pPr>
             <a:r>
               <a:rPr lang="en-US" dirty="0"/>
               <a:t>Discrete variable</a:t>
@@ -5321,6 +5369,11 @@
           <a:bodyPr/>
           <a:lstStyle/>
           <a:p>
+            <a:pPr>
+              <a:lnSpc>
+                <a:spcPct val="200000"/>
+              </a:lnSpc>
+            </a:pPr>
             <a:r>
               <a:rPr lang="en-US" dirty="0"/>
               <a:t>Used </a:t>
@@ -5343,18 +5396,33 @@
             </a:r>
           </a:p>
           <a:p>
+            <a:pPr>
+              <a:lnSpc>
+                <a:spcPct val="200000"/>
+              </a:lnSpc>
+            </a:pPr>
             <a:r>
               <a:rPr lang="en-US" dirty="0"/>
               <a:t>Model 1 – Used all independent variables as predictor values. 80/20 data split.</a:t>
             </a:r>
           </a:p>
           <a:p>
+            <a:pPr>
+              <a:lnSpc>
+                <a:spcPct val="200000"/>
+              </a:lnSpc>
+            </a:pPr>
             <a:r>
               <a:rPr lang="en-US" dirty="0"/>
               <a:t>Model 2 – Used all independent variables as predictor values. 70/30 data split.</a:t>
             </a:r>
           </a:p>
           <a:p>
+            <a:pPr>
+              <a:lnSpc>
+                <a:spcPct val="200000"/>
+              </a:lnSpc>
+            </a:pPr>
             <a:r>
               <a:rPr lang="en-US" dirty="0"/>
               <a:t>Model 3 – Used only statistically significant values determined by R significance test. 80/20 data split.</a:t>

--- a/FinalProjectPPT_JFB.pptx
+++ b/FinalProjectPPT_JFB.pptx
@@ -16,8 +16,9 @@
     <p:sldId id="264" r:id="rId10"/>
     <p:sldId id="265" r:id="rId11"/>
     <p:sldId id="266" r:id="rId12"/>
-    <p:sldId id="267" r:id="rId13"/>
-    <p:sldId id="268" r:id="rId14"/>
+    <p:sldId id="269" r:id="rId13"/>
+    <p:sldId id="267" r:id="rId14"/>
+    <p:sldId id="268" r:id="rId15"/>
   </p:sldIdLst>
   <p:sldSz cx="12192000" cy="6858000"/>
   <p:notesSz cx="6858000" cy="9144000"/>
@@ -278,7 +279,7 @@
           <a:p>
             <a:fld id="{C171DC17-4A50-5F49-AEC7-C955C81B92E5}" type="datetimeFigureOut">
               <a:rPr lang="en-US" smtClean="0"/>
-              <a:t>12/13/23</a:t>
+              <a:t>12/14/23</a:t>
             </a:fld>
             <a:endParaRPr lang="en-US"/>
           </a:p>
@@ -595,7 +596,7 @@
           <a:p>
             <a:fld id="{C171DC17-4A50-5F49-AEC7-C955C81B92E5}" type="datetimeFigureOut">
               <a:rPr lang="en-US" smtClean="0"/>
-              <a:t>12/13/23</a:t>
+              <a:t>12/14/23</a:t>
             </a:fld>
             <a:endParaRPr lang="en-US"/>
           </a:p>
@@ -793,7 +794,7 @@
           <a:p>
             <a:fld id="{C171DC17-4A50-5F49-AEC7-C955C81B92E5}" type="datetimeFigureOut">
               <a:rPr lang="en-US" smtClean="0"/>
-              <a:t>12/13/23</a:t>
+              <a:t>12/14/23</a:t>
             </a:fld>
             <a:endParaRPr lang="en-US"/>
           </a:p>
@@ -1001,7 +1002,7 @@
           <a:p>
             <a:fld id="{C171DC17-4A50-5F49-AEC7-C955C81B92E5}" type="datetimeFigureOut">
               <a:rPr lang="en-US" smtClean="0"/>
-              <a:t>12/13/23</a:t>
+              <a:t>12/14/23</a:t>
             </a:fld>
             <a:endParaRPr lang="en-US"/>
           </a:p>
@@ -1244,7 +1245,7 @@
           <a:p>
             <a:fld id="{C171DC17-4A50-5F49-AEC7-C955C81B92E5}" type="datetimeFigureOut">
               <a:rPr lang="en-US" smtClean="0"/>
-              <a:t>12/13/23</a:t>
+              <a:t>12/14/23</a:t>
             </a:fld>
             <a:endParaRPr lang="en-US"/>
           </a:p>
@@ -1471,7 +1472,7 @@
           <a:p>
             <a:fld id="{C171DC17-4A50-5F49-AEC7-C955C81B92E5}" type="datetimeFigureOut">
               <a:rPr lang="en-US" smtClean="0"/>
-              <a:t>12/13/23</a:t>
+              <a:t>12/14/23</a:t>
             </a:fld>
             <a:endParaRPr lang="en-US"/>
           </a:p>
@@ -1753,7 +1754,7 @@
           <a:p>
             <a:fld id="{C171DC17-4A50-5F49-AEC7-C955C81B92E5}" type="datetimeFigureOut">
               <a:rPr lang="en-US" smtClean="0"/>
-              <a:t>12/13/23</a:t>
+              <a:t>12/14/23</a:t>
             </a:fld>
             <a:endParaRPr lang="en-US"/>
           </a:p>
@@ -2047,7 +2048,7 @@
           <a:p>
             <a:fld id="{C171DC17-4A50-5F49-AEC7-C955C81B92E5}" type="datetimeFigureOut">
               <a:rPr lang="en-US" smtClean="0"/>
-              <a:t>12/13/23</a:t>
+              <a:t>12/14/23</a:t>
             </a:fld>
             <a:endParaRPr lang="en-US"/>
           </a:p>
@@ -2459,7 +2460,7 @@
           <a:p>
             <a:fld id="{C171DC17-4A50-5F49-AEC7-C955C81B92E5}" type="datetimeFigureOut">
               <a:rPr lang="en-US" smtClean="0"/>
-              <a:t>12/13/23</a:t>
+              <a:t>12/14/23</a:t>
             </a:fld>
             <a:endParaRPr lang="en-US"/>
           </a:p>
@@ -2600,7 +2601,7 @@
           <a:p>
             <a:fld id="{C171DC17-4A50-5F49-AEC7-C955C81B92E5}" type="datetimeFigureOut">
               <a:rPr lang="en-US" smtClean="0"/>
-              <a:t>12/13/23</a:t>
+              <a:t>12/14/23</a:t>
             </a:fld>
             <a:endParaRPr lang="en-US"/>
           </a:p>
@@ -2713,7 +2714,7 @@
           <a:p>
             <a:fld id="{C171DC17-4A50-5F49-AEC7-C955C81B92E5}" type="datetimeFigureOut">
               <a:rPr lang="en-US" smtClean="0"/>
-              <a:t>12/13/23</a:t>
+              <a:t>12/14/23</a:t>
             </a:fld>
             <a:endParaRPr lang="en-US"/>
           </a:p>
@@ -3024,7 +3025,7 @@
           <a:p>
             <a:fld id="{C171DC17-4A50-5F49-AEC7-C955C81B92E5}" type="datetimeFigureOut">
               <a:rPr lang="en-US" smtClean="0"/>
-              <a:t>12/13/23</a:t>
+              <a:t>12/14/23</a:t>
             </a:fld>
             <a:endParaRPr lang="en-US"/>
           </a:p>
@@ -3313,7 +3314,7 @@
             <a:fld id="{C171DC17-4A50-5F49-AEC7-C955C81B92E5}" type="datetimeFigureOut">
               <a:rPr lang="en-US" smtClean="0"/>
               <a:pPr/>
-              <a:t>12/13/23</a:t>
+              <a:t>12/14/23</a:t>
             </a:fld>
             <a:endParaRPr lang="en-US" dirty="0"/>
           </a:p>
@@ -4216,6 +4217,189 @@
           <p:cNvPr id="2" name="Title 1">
             <a:extLst>
               <a:ext uri="{FF2B5EF4-FFF2-40B4-BE49-F238E27FC236}">
+                <a16:creationId xmlns:a16="http://schemas.microsoft.com/office/drawing/2014/main" id="{F190745F-7AD5-B550-C90A-F84D2D90888A}"/>
+              </a:ext>
+            </a:extLst>
+          </p:cNvPr>
+          <p:cNvSpPr>
+            <a:spLocks noGrp="1"/>
+          </p:cNvSpPr>
+          <p:nvPr>
+            <p:ph type="title"/>
+          </p:nvPr>
+        </p:nvSpPr>
+        <p:spPr/>
+        <p:txBody>
+          <a:bodyPr/>
+          <a:lstStyle/>
+          <a:p>
+            <a:r>
+              <a:rPr lang="en-US" dirty="0"/>
+              <a:t>R Logistic Regression Model</a:t>
+            </a:r>
+          </a:p>
+        </p:txBody>
+      </p:sp>
+      <p:pic>
+        <p:nvPicPr>
+          <p:cNvPr id="5" name="Content Placeholder 4">
+            <a:extLst>
+              <a:ext uri="{FF2B5EF4-FFF2-40B4-BE49-F238E27FC236}">
+                <a16:creationId xmlns:a16="http://schemas.microsoft.com/office/drawing/2014/main" id="{535B5635-AA0B-EE51-DD3F-5EAA0AB92A34}"/>
+              </a:ext>
+            </a:extLst>
+          </p:cNvPr>
+          <p:cNvPicPr>
+            <a:picLocks noGrp="1" noChangeAspect="1"/>
+          </p:cNvPicPr>
+          <p:nvPr>
+            <p:ph idx="1"/>
+          </p:nvPr>
+        </p:nvPicPr>
+        <p:blipFill>
+          <a:blip r:embed="rId2"/>
+          <a:stretch>
+            <a:fillRect/>
+          </a:stretch>
+        </p:blipFill>
+        <p:spPr>
+          <a:xfrm>
+            <a:off x="529937" y="3572654"/>
+            <a:ext cx="4762500" cy="241300"/>
+          </a:xfrm>
+        </p:spPr>
+      </p:pic>
+      <p:sp>
+        <p:nvSpPr>
+          <p:cNvPr id="6" name="TextBox 5">
+            <a:extLst>
+              <a:ext uri="{FF2B5EF4-FFF2-40B4-BE49-F238E27FC236}">
+                <a16:creationId xmlns:a16="http://schemas.microsoft.com/office/drawing/2014/main" id="{A482160A-44CB-9F60-C45A-D7D4E8F5BA64}"/>
+              </a:ext>
+            </a:extLst>
+          </p:cNvPr>
+          <p:cNvSpPr txBox="1"/>
+          <p:nvPr/>
+        </p:nvSpPr>
+        <p:spPr>
+          <a:xfrm>
+            <a:off x="924792" y="1808019"/>
+            <a:ext cx="6930736" cy="1477328"/>
+          </a:xfrm>
+          <a:prstGeom prst="rect">
+            <a:avLst/>
+          </a:prstGeom>
+          <a:noFill/>
+        </p:spPr>
+        <p:txBody>
+          <a:bodyPr wrap="square" rtlCol="0">
+            <a:spAutoFit/>
+          </a:bodyPr>
+          <a:lstStyle/>
+          <a:p>
+            <a:pPr marL="285750" indent="-285750">
+              <a:buFont typeface="Arial" panose="020B0604020202020204" pitchFamily="34" charset="0"/>
+              <a:buChar char="•"/>
+            </a:pPr>
+            <a:r>
+              <a:rPr lang="en-US" dirty="0"/>
+              <a:t>Preset functions in R to do logistic regression</a:t>
+            </a:r>
+          </a:p>
+          <a:p>
+            <a:pPr marL="285750" indent="-285750">
+              <a:buFont typeface="Arial" panose="020B0604020202020204" pitchFamily="34" charset="0"/>
+              <a:buChar char="•"/>
+            </a:pPr>
+            <a:r>
+              <a:rPr lang="en-US" dirty="0"/>
+              <a:t>Analysis shows which variables are significant predictors</a:t>
+            </a:r>
+          </a:p>
+          <a:p>
+            <a:pPr marL="285750" indent="-285750">
+              <a:buFont typeface="Arial" panose="020B0604020202020204" pitchFamily="34" charset="0"/>
+              <a:buChar char="•"/>
+            </a:pPr>
+            <a:r>
+              <a:rPr lang="en-US" dirty="0"/>
+              <a:t>Hypothesis: creating a classification model with only significant predictors will result in a more accurate model</a:t>
+            </a:r>
+          </a:p>
+          <a:p>
+            <a:pPr marL="285750" indent="-285750">
+              <a:buFont typeface="Arial" panose="020B0604020202020204" pitchFamily="34" charset="0"/>
+              <a:buChar char="•"/>
+            </a:pPr>
+            <a:endParaRPr lang="en-US" dirty="0"/>
+          </a:p>
+        </p:txBody>
+      </p:sp>
+      <p:pic>
+        <p:nvPicPr>
+          <p:cNvPr id="8" name="Picture 7" descr="A table of numbers with black text&#10;&#10;Description automatically generated">
+            <a:extLst>
+              <a:ext uri="{FF2B5EF4-FFF2-40B4-BE49-F238E27FC236}">
+                <a16:creationId xmlns:a16="http://schemas.microsoft.com/office/drawing/2014/main" id="{1F0BE3CD-74C2-5B23-84F3-1E7F715DC45F}"/>
+              </a:ext>
+            </a:extLst>
+          </p:cNvPr>
+          <p:cNvPicPr>
+            <a:picLocks noChangeAspect="1"/>
+          </p:cNvPicPr>
+          <p:nvPr/>
+        </p:nvPicPr>
+        <p:blipFill>
+          <a:blip r:embed="rId3"/>
+          <a:stretch>
+            <a:fillRect/>
+          </a:stretch>
+        </p:blipFill>
+        <p:spPr>
+          <a:xfrm>
+            <a:off x="5680363" y="3228971"/>
+            <a:ext cx="5981700" cy="3263900"/>
+          </a:xfrm>
+          <a:prstGeom prst="rect">
+            <a:avLst/>
+          </a:prstGeom>
+        </p:spPr>
+      </p:pic>
+    </p:spTree>
+    <p:extLst>
+      <p:ext uri="{BB962C8B-B14F-4D97-AF65-F5344CB8AC3E}">
+        <p14:creationId xmlns:p14="http://schemas.microsoft.com/office/powerpoint/2010/main" val="2963351237"/>
+      </p:ext>
+    </p:extLst>
+  </p:cSld>
+  <p:clrMapOvr>
+    <a:masterClrMapping/>
+  </p:clrMapOvr>
+</p:sld>
+</file>
+
+<file path=ppt/slides/slide13.xml><?xml version="1.0" encoding="utf-8"?>
+<p:sld xmlns:a="http://schemas.openxmlformats.org/drawingml/2006/main" xmlns:r="http://schemas.openxmlformats.org/officeDocument/2006/relationships" xmlns:p="http://schemas.openxmlformats.org/presentationml/2006/main">
+  <p:cSld>
+    <p:spTree>
+      <p:nvGrpSpPr>
+        <p:cNvPr id="1" name=""/>
+        <p:cNvGrpSpPr/>
+        <p:nvPr/>
+      </p:nvGrpSpPr>
+      <p:grpSpPr>
+        <a:xfrm>
+          <a:off x="0" y="0"/>
+          <a:ext cx="0" cy="0"/>
+          <a:chOff x="0" y="0"/>
+          <a:chExt cx="0" cy="0"/>
+        </a:xfrm>
+      </p:grpSpPr>
+      <p:sp>
+        <p:nvSpPr>
+          <p:cNvPr id="2" name="Title 1">
+            <a:extLst>
+              <a:ext uri="{FF2B5EF4-FFF2-40B4-BE49-F238E27FC236}">
                 <a16:creationId xmlns:a16="http://schemas.microsoft.com/office/drawing/2014/main" id="{BBD2B728-8746-E54C-C9F5-BF1547333D9E}"/>
               </a:ext>
             </a:extLst>
@@ -4360,7 +4544,7 @@
 </p:sld>
 </file>
 
-<file path=ppt/slides/slide13.xml><?xml version="1.0" encoding="utf-8"?>
+<file path=ppt/slides/slide14.xml><?xml version="1.0" encoding="utf-8"?>
 <p:sld xmlns:a="http://schemas.openxmlformats.org/drawingml/2006/main" xmlns:r="http://schemas.openxmlformats.org/officeDocument/2006/relationships" xmlns:p="http://schemas.openxmlformats.org/presentationml/2006/main">
   <p:cSld>
     <p:spTree>
@@ -4683,6 +4867,54 @@
               <a:rPr lang="en-US" dirty="0"/>
               <a:t>Determine what variables are most significant in predicting wine quality</a:t>
             </a:r>
+          </a:p>
+          <a:p>
+            <a:pPr>
+              <a:lnSpc>
+                <a:spcPct val="200000"/>
+              </a:lnSpc>
+            </a:pPr>
+            <a:r>
+              <a:rPr lang="en-US" dirty="0"/>
+              <a:t>Found </a:t>
+            </a:r>
+            <a:r>
+              <a:rPr lang="en-US"/>
+              <a:t>on Kaggle</a:t>
+            </a:r>
+            <a:endParaRPr lang="en-US" dirty="0"/>
+          </a:p>
+        </p:txBody>
+      </p:sp>
+      <p:sp>
+        <p:nvSpPr>
+          <p:cNvPr id="4" name="TextBox 3">
+            <a:extLst>
+              <a:ext uri="{FF2B5EF4-FFF2-40B4-BE49-F238E27FC236}">
+                <a16:creationId xmlns:a16="http://schemas.microsoft.com/office/drawing/2014/main" id="{D45FE03B-1FBA-E7FB-E855-B44ECF2AD470}"/>
+              </a:ext>
+            </a:extLst>
+          </p:cNvPr>
+          <p:cNvSpPr txBox="1"/>
+          <p:nvPr/>
+        </p:nvSpPr>
+        <p:spPr>
+          <a:xfrm>
+            <a:off x="9787467" y="3668889"/>
+            <a:ext cx="184731" cy="369332"/>
+          </a:xfrm>
+          <a:prstGeom prst="rect">
+            <a:avLst/>
+          </a:prstGeom>
+          <a:noFill/>
+        </p:spPr>
+        <p:txBody>
+          <a:bodyPr wrap="none" rtlCol="0">
+            <a:spAutoFit/>
+          </a:bodyPr>
+          <a:lstStyle/>
+          <a:p>
+            <a:endParaRPr lang="en-US" dirty="0"/>
           </a:p>
         </p:txBody>
       </p:sp>
